--- a/images/logo.pptx
+++ b/images/logo.pptx
@@ -104,6 +104,11 @@
       </a:defRPr>
     </a:lvl9pPr>
   </p:defaultTextStyle>
+  <p:extLst>
+    <p:ext uri="{EFAFB233-063F-42B5-8137-9DF3F51BA10A}">
+      <p15:sldGuideLst xmlns:p15="http://schemas.microsoft.com/office/powerpoint/2012/main"/>
+    </p:ext>
+  </p:extLst>
 </p:presentation>
 </file>
 
@@ -254,7 +259,7 @@
           <a:p>
             <a:fld id="{86DE0ABA-AA00-4760-9E9D-5256F79FAF1A}" type="datetimeFigureOut">
               <a:rPr lang="de-DE" smtClean="0"/>
-              <a:t>12.04.2023</a:t>
+              <a:t>16.12.23</a:t>
             </a:fld>
             <a:endParaRPr lang="de-DE"/>
           </a:p>
@@ -308,7 +313,7 @@
           <a:p>
             <a:fld id="{E9958FC3-6514-4635-A582-7B89692EEC1F}" type="slidenum">
               <a:rPr lang="de-DE" smtClean="0"/>
-              <a:t>‹Nr.›</a:t>
+              <a:t>‹#›</a:t>
             </a:fld>
             <a:endParaRPr lang="de-DE"/>
           </a:p>
@@ -452,7 +457,7 @@
           <a:p>
             <a:fld id="{86DE0ABA-AA00-4760-9E9D-5256F79FAF1A}" type="datetimeFigureOut">
               <a:rPr lang="de-DE" smtClean="0"/>
-              <a:t>12.04.2023</a:t>
+              <a:t>16.12.23</a:t>
             </a:fld>
             <a:endParaRPr lang="de-DE"/>
           </a:p>
@@ -506,7 +511,7 @@
           <a:p>
             <a:fld id="{E9958FC3-6514-4635-A582-7B89692EEC1F}" type="slidenum">
               <a:rPr lang="de-DE" smtClean="0"/>
-              <a:t>‹Nr.›</a:t>
+              <a:t>‹#›</a:t>
             </a:fld>
             <a:endParaRPr lang="de-DE"/>
           </a:p>
@@ -660,7 +665,7 @@
           <a:p>
             <a:fld id="{86DE0ABA-AA00-4760-9E9D-5256F79FAF1A}" type="datetimeFigureOut">
               <a:rPr lang="de-DE" smtClean="0"/>
-              <a:t>12.04.2023</a:t>
+              <a:t>16.12.23</a:t>
             </a:fld>
             <a:endParaRPr lang="de-DE"/>
           </a:p>
@@ -714,7 +719,7 @@
           <a:p>
             <a:fld id="{E9958FC3-6514-4635-A582-7B89692EEC1F}" type="slidenum">
               <a:rPr lang="de-DE" smtClean="0"/>
-              <a:t>‹Nr.›</a:t>
+              <a:t>‹#›</a:t>
             </a:fld>
             <a:endParaRPr lang="de-DE"/>
           </a:p>
@@ -858,7 +863,7 @@
           <a:p>
             <a:fld id="{86DE0ABA-AA00-4760-9E9D-5256F79FAF1A}" type="datetimeFigureOut">
               <a:rPr lang="de-DE" smtClean="0"/>
-              <a:t>12.04.2023</a:t>
+              <a:t>16.12.23</a:t>
             </a:fld>
             <a:endParaRPr lang="de-DE"/>
           </a:p>
@@ -912,7 +917,7 @@
           <a:p>
             <a:fld id="{E9958FC3-6514-4635-A582-7B89692EEC1F}" type="slidenum">
               <a:rPr lang="de-DE" smtClean="0"/>
-              <a:t>‹Nr.›</a:t>
+              <a:t>‹#›</a:t>
             </a:fld>
             <a:endParaRPr lang="de-DE"/>
           </a:p>
@@ -1133,7 +1138,7 @@
           <a:p>
             <a:fld id="{86DE0ABA-AA00-4760-9E9D-5256F79FAF1A}" type="datetimeFigureOut">
               <a:rPr lang="de-DE" smtClean="0"/>
-              <a:t>12.04.2023</a:t>
+              <a:t>16.12.23</a:t>
             </a:fld>
             <a:endParaRPr lang="de-DE"/>
           </a:p>
@@ -1187,7 +1192,7 @@
           <a:p>
             <a:fld id="{E9958FC3-6514-4635-A582-7B89692EEC1F}" type="slidenum">
               <a:rPr lang="de-DE" smtClean="0"/>
-              <a:t>‹Nr.›</a:t>
+              <a:t>‹#›</a:t>
             </a:fld>
             <a:endParaRPr lang="de-DE"/>
           </a:p>
@@ -1398,7 +1403,7 @@
           <a:p>
             <a:fld id="{86DE0ABA-AA00-4760-9E9D-5256F79FAF1A}" type="datetimeFigureOut">
               <a:rPr lang="de-DE" smtClean="0"/>
-              <a:t>12.04.2023</a:t>
+              <a:t>16.12.23</a:t>
             </a:fld>
             <a:endParaRPr lang="de-DE"/>
           </a:p>
@@ -1452,7 +1457,7 @@
           <a:p>
             <a:fld id="{E9958FC3-6514-4635-A582-7B89692EEC1F}" type="slidenum">
               <a:rPr lang="de-DE" smtClean="0"/>
-              <a:t>‹Nr.›</a:t>
+              <a:t>‹#›</a:t>
             </a:fld>
             <a:endParaRPr lang="de-DE"/>
           </a:p>
@@ -1810,7 +1815,7 @@
           <a:p>
             <a:fld id="{86DE0ABA-AA00-4760-9E9D-5256F79FAF1A}" type="datetimeFigureOut">
               <a:rPr lang="de-DE" smtClean="0"/>
-              <a:t>12.04.2023</a:t>
+              <a:t>16.12.23</a:t>
             </a:fld>
             <a:endParaRPr lang="de-DE"/>
           </a:p>
@@ -1864,7 +1869,7 @@
           <a:p>
             <a:fld id="{E9958FC3-6514-4635-A582-7B89692EEC1F}" type="slidenum">
               <a:rPr lang="de-DE" smtClean="0"/>
-              <a:t>‹Nr.›</a:t>
+              <a:t>‹#›</a:t>
             </a:fld>
             <a:endParaRPr lang="de-DE"/>
           </a:p>
@@ -1951,7 +1956,7 @@
           <a:p>
             <a:fld id="{86DE0ABA-AA00-4760-9E9D-5256F79FAF1A}" type="datetimeFigureOut">
               <a:rPr lang="de-DE" smtClean="0"/>
-              <a:t>12.04.2023</a:t>
+              <a:t>16.12.23</a:t>
             </a:fld>
             <a:endParaRPr lang="de-DE"/>
           </a:p>
@@ -2005,7 +2010,7 @@
           <a:p>
             <a:fld id="{E9958FC3-6514-4635-A582-7B89692EEC1F}" type="slidenum">
               <a:rPr lang="de-DE" smtClean="0"/>
-              <a:t>‹Nr.›</a:t>
+              <a:t>‹#›</a:t>
             </a:fld>
             <a:endParaRPr lang="de-DE"/>
           </a:p>
@@ -2064,7 +2069,7 @@
           <a:p>
             <a:fld id="{86DE0ABA-AA00-4760-9E9D-5256F79FAF1A}" type="datetimeFigureOut">
               <a:rPr lang="de-DE" smtClean="0"/>
-              <a:t>12.04.2023</a:t>
+              <a:t>16.12.23</a:t>
             </a:fld>
             <a:endParaRPr lang="de-DE"/>
           </a:p>
@@ -2118,7 +2123,7 @@
           <a:p>
             <a:fld id="{E9958FC3-6514-4635-A582-7B89692EEC1F}" type="slidenum">
               <a:rPr lang="de-DE" smtClean="0"/>
-              <a:t>‹Nr.›</a:t>
+              <a:t>‹#›</a:t>
             </a:fld>
             <a:endParaRPr lang="de-DE"/>
           </a:p>
@@ -2375,7 +2380,7 @@
           <a:p>
             <a:fld id="{86DE0ABA-AA00-4760-9E9D-5256F79FAF1A}" type="datetimeFigureOut">
               <a:rPr lang="de-DE" smtClean="0"/>
-              <a:t>12.04.2023</a:t>
+              <a:t>16.12.23</a:t>
             </a:fld>
             <a:endParaRPr lang="de-DE"/>
           </a:p>
@@ -2429,7 +2434,7 @@
           <a:p>
             <a:fld id="{E9958FC3-6514-4635-A582-7B89692EEC1F}" type="slidenum">
               <a:rPr lang="de-DE" smtClean="0"/>
-              <a:t>‹Nr.›</a:t>
+              <a:t>‹#›</a:t>
             </a:fld>
             <a:endParaRPr lang="de-DE"/>
           </a:p>
@@ -2663,7 +2668,7 @@
           <a:p>
             <a:fld id="{86DE0ABA-AA00-4760-9E9D-5256F79FAF1A}" type="datetimeFigureOut">
               <a:rPr lang="de-DE" smtClean="0"/>
-              <a:t>12.04.2023</a:t>
+              <a:t>16.12.23</a:t>
             </a:fld>
             <a:endParaRPr lang="de-DE"/>
           </a:p>
@@ -2717,7 +2722,7 @@
           <a:p>
             <a:fld id="{E9958FC3-6514-4635-A582-7B89692EEC1F}" type="slidenum">
               <a:rPr lang="de-DE" smtClean="0"/>
-              <a:t>‹Nr.›</a:t>
+              <a:t>‹#›</a:t>
             </a:fld>
             <a:endParaRPr lang="de-DE"/>
           </a:p>
@@ -2904,7 +2909,7 @@
           <a:p>
             <a:fld id="{86DE0ABA-AA00-4760-9E9D-5256F79FAF1A}" type="datetimeFigureOut">
               <a:rPr lang="de-DE" smtClean="0"/>
-              <a:t>12.04.2023</a:t>
+              <a:t>16.12.23</a:t>
             </a:fld>
             <a:endParaRPr lang="de-DE"/>
           </a:p>
@@ -2994,9 +2999,56 @@
           <a:p>
             <a:fld id="{E9958FC3-6514-4635-A582-7B89692EEC1F}" type="slidenum">
               <a:rPr lang="de-DE" smtClean="0"/>
-              <a:t>‹Nr.›</a:t>
+              <a:t>‹#›</a:t>
             </a:fld>
             <a:endParaRPr lang="de-DE"/>
+          </a:p>
+        </p:txBody>
+      </p:sp>
+      <p:sp>
+        <p:nvSpPr>
+          <p:cNvPr id="8" name="TextBox 7">
+            <a:extLst>
+              <a:ext uri="{FF2B5EF4-FFF2-40B4-BE49-F238E27FC236}">
+                <a16:creationId xmlns:a16="http://schemas.microsoft.com/office/drawing/2014/main" id="{8E4C9D22-3D8B-736E-48A9-F41B09625365}"/>
+              </a:ext>
+            </a:extLst>
+          </p:cNvPr>
+          <p:cNvSpPr txBox="1"/>
+          <p:nvPr userDrawn="1">
+            <p:extLst>
+              <p:ext uri="{1162E1C5-73C7-4A58-AE30-91384D911F3F}">
+                <p184:classification xmlns:p184="http://schemas.microsoft.com/office/powerpoint/2018/4/main" val="hdr"/>
+              </p:ext>
+            </p:extLst>
+          </p:nvPr>
+        </p:nvSpPr>
+        <p:spPr>
+          <a:xfrm>
+            <a:off x="5480050" y="63500"/>
+            <a:ext cx="1254125" cy="121920"/>
+          </a:xfrm>
+          <a:prstGeom prst="rect">
+            <a:avLst/>
+          </a:prstGeom>
+        </p:spPr>
+        <p:txBody>
+          <a:bodyPr horzOverflow="overflow" lIns="0" tIns="0" rIns="0" bIns="0">
+            <a:spAutoFit/>
+          </a:bodyPr>
+          <a:lstStyle/>
+          <a:p>
+            <a:pPr algn="l"/>
+            <a:r>
+              <a:rPr lang="en-US" sz="800">
+                <a:solidFill>
+                  <a:srgbClr val="000000"/>
+                </a:solidFill>
+                <a:latin typeface="Calibri" panose="020F0502020204030204" pitchFamily="34" charset="0"/>
+                <a:cs typeface="Calibri" panose="020F0502020204030204" pitchFamily="34" charset="0"/>
+              </a:rPr>
+              <a:t>SMU Classification: Restricted</a:t>
+            </a:r>
           </a:p>
         </p:txBody>
       </p:sp>
@@ -3399,7 +3451,7 @@
           <p:spPr>
             <a:xfrm>
               <a:off x="1042197" y="5003800"/>
-              <a:ext cx="7120860" cy="1446550"/>
+              <a:ext cx="7188186" cy="1446550"/>
             </a:xfrm>
             <a:prstGeom prst="rect">
               <a:avLst/>
@@ -3413,15 +3465,22 @@
             <a:lstStyle/>
             <a:p>
               <a:r>
-                <a:rPr lang="de-DE" sz="8800" dirty="0">
+                <a:rPr lang="de-DE" sz="8800">
                   <a:solidFill>
                     <a:schemeClr val="bg1"/>
                   </a:solidFill>
                   <a:latin typeface="Grandview" panose="020B0502040204020203" pitchFamily="34" charset="0"/>
                   <a:ea typeface="FrontPage" panose="00000400000000000000" pitchFamily="2" charset="0"/>
                 </a:rPr>
-                <a:t>SEA4DQ 2023</a:t>
+                <a:t>SEA4DQ 2024</a:t>
               </a:r>
+              <a:endParaRPr lang="de-DE" sz="8800" dirty="0">
+                <a:solidFill>
+                  <a:schemeClr val="bg1"/>
+                </a:solidFill>
+                <a:latin typeface="Grandview" panose="020B0502040204020203" pitchFamily="34" charset="0"/>
+                <a:ea typeface="FrontPage" panose="00000400000000000000" pitchFamily="2" charset="0"/>
+              </a:endParaRPr>
             </a:p>
           </p:txBody>
         </p:sp>
